--- a/Session I - Basic HTML + HTML5 elements/Session I - Basic HTML + HTML5.pptx
+++ b/Session I - Basic HTML + HTML5 elements/Session I - Basic HTML + HTML5.pptx
@@ -150,7 +150,7 @@
   </p:defaultTextStyle>
   <p:extLst>
     <p:ext uri="{EFAFB233-063F-42B5-8137-9DF3F51BA10A}">
-      <p15:sldGuideLst xmlns:p15="http://schemas.microsoft.com/office/powerpoint/2012/main"/>
+      <p15:sldGuideLst xmlns="" xmlns:p15="http://schemas.microsoft.com/office/powerpoint/2012/main"/>
     </p:ext>
   </p:extLst>
 </p:presentation>
@@ -238,7 +238,7 @@
           <a:p>
             <a:fld id="{D19E0339-0F11-48B6-9C83-68C7817E7FEC}" type="datetimeFigureOut">
               <a:rPr lang="en-US" smtClean="0"/>
-              <a:t>22/6/2015</a:t>
+              <a:t>23/6/15</a:t>
             </a:fld>
             <a:endParaRPr lang="en-US"/>
           </a:p>
@@ -721,7 +721,7 @@
           <a:p>
             <a:fld id="{11015283-1BC6-49F1-87A6-E2D285499E26}" type="datetimeFigureOut">
               <a:rPr lang="en-US" smtClean="0"/>
-              <a:t>22/6/2015</a:t>
+              <a:t>23/6/15</a:t>
             </a:fld>
             <a:endParaRPr lang="en-US"/>
           </a:p>
@@ -891,7 +891,7 @@
           <a:p>
             <a:fld id="{11015283-1BC6-49F1-87A6-E2D285499E26}" type="datetimeFigureOut">
               <a:rPr lang="en-US" smtClean="0"/>
-              <a:t>22/6/2015</a:t>
+              <a:t>23/6/15</a:t>
             </a:fld>
             <a:endParaRPr lang="en-US"/>
           </a:p>
@@ -1071,7 +1071,7 @@
           <a:p>
             <a:fld id="{11015283-1BC6-49F1-87A6-E2D285499E26}" type="datetimeFigureOut">
               <a:rPr lang="en-US" smtClean="0"/>
-              <a:t>22/6/2015</a:t>
+              <a:t>23/6/15</a:t>
             </a:fld>
             <a:endParaRPr lang="en-US"/>
           </a:p>
@@ -1241,7 +1241,7 @@
           <a:p>
             <a:fld id="{11015283-1BC6-49F1-87A6-E2D285499E26}" type="datetimeFigureOut">
               <a:rPr lang="en-US" smtClean="0"/>
-              <a:t>22/6/2015</a:t>
+              <a:t>23/6/15</a:t>
             </a:fld>
             <a:endParaRPr lang="en-US"/>
           </a:p>
@@ -1487,7 +1487,7 @@
           <a:p>
             <a:fld id="{11015283-1BC6-49F1-87A6-E2D285499E26}" type="datetimeFigureOut">
               <a:rPr lang="en-US" smtClean="0"/>
-              <a:t>22/6/2015</a:t>
+              <a:t>23/6/15</a:t>
             </a:fld>
             <a:endParaRPr lang="en-US"/>
           </a:p>
@@ -1719,7 +1719,7 @@
           <a:p>
             <a:fld id="{11015283-1BC6-49F1-87A6-E2D285499E26}" type="datetimeFigureOut">
               <a:rPr lang="en-US" smtClean="0"/>
-              <a:t>22/6/2015</a:t>
+              <a:t>23/6/15</a:t>
             </a:fld>
             <a:endParaRPr lang="en-US"/>
           </a:p>
@@ -2086,7 +2086,7 @@
           <a:p>
             <a:fld id="{11015283-1BC6-49F1-87A6-E2D285499E26}" type="datetimeFigureOut">
               <a:rPr lang="en-US" smtClean="0"/>
-              <a:t>22/6/2015</a:t>
+              <a:t>23/6/15</a:t>
             </a:fld>
             <a:endParaRPr lang="en-US"/>
           </a:p>
@@ -2204,7 +2204,7 @@
           <a:p>
             <a:fld id="{11015283-1BC6-49F1-87A6-E2D285499E26}" type="datetimeFigureOut">
               <a:rPr lang="en-US" smtClean="0"/>
-              <a:t>22/6/2015</a:t>
+              <a:t>23/6/15</a:t>
             </a:fld>
             <a:endParaRPr lang="en-US"/>
           </a:p>
@@ -2299,7 +2299,7 @@
           <a:p>
             <a:fld id="{11015283-1BC6-49F1-87A6-E2D285499E26}" type="datetimeFigureOut">
               <a:rPr lang="en-US" smtClean="0"/>
-              <a:t>22/6/2015</a:t>
+              <a:t>23/6/15</a:t>
             </a:fld>
             <a:endParaRPr lang="en-US"/>
           </a:p>
@@ -2576,7 +2576,7 @@
           <a:p>
             <a:fld id="{11015283-1BC6-49F1-87A6-E2D285499E26}" type="datetimeFigureOut">
               <a:rPr lang="en-US" smtClean="0"/>
-              <a:t>22/6/2015</a:t>
+              <a:t>23/6/15</a:t>
             </a:fld>
             <a:endParaRPr lang="en-US"/>
           </a:p>
@@ -2829,7 +2829,7 @@
           <a:p>
             <a:fld id="{11015283-1BC6-49F1-87A6-E2D285499E26}" type="datetimeFigureOut">
               <a:rPr lang="en-US" smtClean="0"/>
-              <a:t>22/6/2015</a:t>
+              <a:t>23/6/15</a:t>
             </a:fld>
             <a:endParaRPr lang="en-US"/>
           </a:p>
@@ -3042,7 +3042,7 @@
           <a:p>
             <a:fld id="{11015283-1BC6-49F1-87A6-E2D285499E26}" type="datetimeFigureOut">
               <a:rPr lang="en-US" smtClean="0"/>
-              <a:t>22/6/2015</a:t>
+              <a:t>23/6/15</a:t>
             </a:fld>
             <a:endParaRPr lang="en-US"/>
           </a:p>
@@ -3538,7 +3538,7 @@
           </a:prstGeom>
           <a:noFill/>
           <a:extLst>
-            <a:ext uri="{909E8E84-426E-40DD-AFC4-6F175D3DCCD1}">
+            <a:ext uri="{909E8E84-426E-40dd-AFC4-6F175D3DCCD1}">
               <a14:hiddenFill xmlns:a14="http://schemas.microsoft.com/office/drawing/2010/main">
                 <a:solidFill>
                   <a:srgbClr val="FFFFFF"/>
@@ -3561,7 +3561,7 @@
   <p:timing>
     <p:tnLst>
       <p:par>
-        <p:cTn id="1" dur="indefinite" restart="never" nodeType="tmRoot"/>
+        <p:cTn xmlns:p14="http://schemas.microsoft.com/office/powerpoint/2010/main" id="1" dur="indefinite" restart="never" nodeType="tmRoot"/>
       </p:par>
     </p:tnLst>
   </p:timing>
@@ -3644,7 +3644,7 @@
   <p:timing>
     <p:tnLst>
       <p:par>
-        <p:cTn id="1" dur="indefinite" restart="never" nodeType="tmRoot"/>
+        <p:cTn xmlns:p14="http://schemas.microsoft.com/office/powerpoint/2010/main" id="1" dur="indefinite" restart="never" nodeType="tmRoot"/>
       </p:par>
     </p:tnLst>
   </p:timing>
@@ -4554,7 +4554,7 @@
   <p:timing>
     <p:tnLst>
       <p:par>
-        <p:cTn id="1" dur="indefinite" restart="never" nodeType="tmRoot"/>
+        <p:cTn xmlns:p14="http://schemas.microsoft.com/office/powerpoint/2010/main" id="1" dur="indefinite" restart="never" nodeType="tmRoot"/>
       </p:par>
     </p:tnLst>
   </p:timing>
@@ -4689,7 +4689,7 @@
           </a:prstGeom>
           <a:noFill/>
           <a:extLst>
-            <a:ext uri="{909E8E84-426E-40DD-AFC4-6F175D3DCCD1}">
+            <a:ext uri="{909E8E84-426E-40dd-AFC4-6F175D3DCCD1}">
               <a14:hiddenFill xmlns:a14="http://schemas.microsoft.com/office/drawing/2010/main">
                 <a:solidFill>
                   <a:srgbClr val="FFFFFF"/>
@@ -4730,7 +4730,7 @@
           </a:prstGeom>
           <a:noFill/>
           <a:extLst>
-            <a:ext uri="{909E8E84-426E-40DD-AFC4-6F175D3DCCD1}">
+            <a:ext uri="{909E8E84-426E-40dd-AFC4-6F175D3DCCD1}">
               <a14:hiddenFill xmlns:a14="http://schemas.microsoft.com/office/drawing/2010/main">
                 <a:solidFill>
                   <a:srgbClr val="FFFFFF"/>
@@ -4758,7 +4758,7 @@
           </a:prstGeom>
           <a:noFill/>
           <a:extLst>
-            <a:ext uri="{909E8E84-426E-40DD-AFC4-6F175D3DCCD1}">
+            <a:ext uri="{909E8E84-426E-40dd-AFC4-6F175D3DCCD1}">
               <a14:hiddenFill xmlns:a14="http://schemas.microsoft.com/office/drawing/2010/main">
                 <a:solidFill>
                   <a:srgbClr val="FFFFFF"/>
@@ -4797,7 +4797,7 @@
           </a:prstGeom>
           <a:noFill/>
           <a:extLst>
-            <a:ext uri="{909E8E84-426E-40DD-AFC4-6F175D3DCCD1}">
+            <a:ext uri="{909E8E84-426E-40dd-AFC4-6F175D3DCCD1}">
               <a14:hiddenFill xmlns:a14="http://schemas.microsoft.com/office/drawing/2010/main">
                 <a:solidFill>
                   <a:srgbClr val="FFFFFF"/>
@@ -4836,7 +4836,7 @@
           </a:prstGeom>
           <a:noFill/>
           <a:extLst>
-            <a:ext uri="{909E8E84-426E-40DD-AFC4-6F175D3DCCD1}">
+            <a:ext uri="{909E8E84-426E-40dd-AFC4-6F175D3DCCD1}">
               <a14:hiddenFill xmlns:a14="http://schemas.microsoft.com/office/drawing/2010/main">
                 <a:solidFill>
                   <a:srgbClr val="FFFFFF"/>
@@ -4875,7 +4875,7 @@
           </a:prstGeom>
           <a:noFill/>
           <a:extLst>
-            <a:ext uri="{909E8E84-426E-40DD-AFC4-6F175D3DCCD1}">
+            <a:ext uri="{909E8E84-426E-40dd-AFC4-6F175D3DCCD1}">
               <a14:hiddenFill xmlns:a14="http://schemas.microsoft.com/office/drawing/2010/main">
                 <a:solidFill>
                   <a:srgbClr val="FFFFFF"/>
@@ -4914,7 +4914,7 @@
           </a:prstGeom>
           <a:noFill/>
           <a:extLst>
-            <a:ext uri="{909E8E84-426E-40DD-AFC4-6F175D3DCCD1}">
+            <a:ext uri="{909E8E84-426E-40dd-AFC4-6F175D3DCCD1}">
               <a14:hiddenFill xmlns:a14="http://schemas.microsoft.com/office/drawing/2010/main">
                 <a:solidFill>
                   <a:srgbClr val="FFFFFF"/>
@@ -4953,7 +4953,7 @@
           </a:prstGeom>
           <a:noFill/>
           <a:extLst>
-            <a:ext uri="{909E8E84-426E-40DD-AFC4-6F175D3DCCD1}">
+            <a:ext uri="{909E8E84-426E-40dd-AFC4-6F175D3DCCD1}">
               <a14:hiddenFill xmlns:a14="http://schemas.microsoft.com/office/drawing/2010/main">
                 <a:solidFill>
                   <a:srgbClr val="FFFFFF"/>
@@ -5005,7 +5005,7 @@
           </a:prstGeom>
           <a:noFill/>
           <a:extLst>
-            <a:ext uri="{909E8E84-426E-40DD-AFC4-6F175D3DCCD1}">
+            <a:ext uri="{909E8E84-426E-40dd-AFC4-6F175D3DCCD1}">
               <a14:hiddenFill xmlns:a14="http://schemas.microsoft.com/office/drawing/2010/main">
                 <a:solidFill>
                   <a:srgbClr val="FFFFFF"/>
@@ -5046,7 +5046,7 @@
           </a:prstGeom>
           <a:noFill/>
           <a:extLst>
-            <a:ext uri="{909E8E84-426E-40DD-AFC4-6F175D3DCCD1}">
+            <a:ext uri="{909E8E84-426E-40dd-AFC4-6F175D3DCCD1}">
               <a14:hiddenFill xmlns:a14="http://schemas.microsoft.com/office/drawing/2010/main">
                 <a:solidFill>
                   <a:srgbClr val="FFFFFF"/>
@@ -5106,7 +5106,7 @@
   <p:timing>
     <p:tnLst>
       <p:par>
-        <p:cTn id="1" dur="indefinite" restart="never" nodeType="tmRoot"/>
+        <p:cTn xmlns:p14="http://schemas.microsoft.com/office/powerpoint/2010/main" id="1" dur="indefinite" restart="never" nodeType="tmRoot"/>
       </p:par>
     </p:tnLst>
   </p:timing>
@@ -5188,7 +5188,7 @@
           </a:prstGeom>
           <a:noFill/>
           <a:extLst>
-            <a:ext uri="{909E8E84-426E-40DD-AFC4-6F175D3DCCD1}">
+            <a:ext uri="{909E8E84-426E-40dd-AFC4-6F175D3DCCD1}">
               <a14:hiddenFill xmlns:a14="http://schemas.microsoft.com/office/drawing/2010/main">
                 <a:solidFill>
                   <a:srgbClr val="FFFFFF"/>
@@ -5227,7 +5227,7 @@
           </a:prstGeom>
           <a:noFill/>
           <a:extLst>
-            <a:ext uri="{909E8E84-426E-40DD-AFC4-6F175D3DCCD1}">
+            <a:ext uri="{909E8E84-426E-40dd-AFC4-6F175D3DCCD1}">
               <a14:hiddenFill xmlns:a14="http://schemas.microsoft.com/office/drawing/2010/main">
                 <a:solidFill>
                   <a:srgbClr val="FFFFFF"/>
@@ -5266,7 +5266,7 @@
           </a:prstGeom>
           <a:noFill/>
           <a:extLst>
-            <a:ext uri="{909E8E84-426E-40DD-AFC4-6F175D3DCCD1}">
+            <a:ext uri="{909E8E84-426E-40dd-AFC4-6F175D3DCCD1}">
               <a14:hiddenFill xmlns:a14="http://schemas.microsoft.com/office/drawing/2010/main">
                 <a:solidFill>
                   <a:srgbClr val="FFFFFF"/>
@@ -5305,7 +5305,7 @@
           </a:prstGeom>
           <a:noFill/>
           <a:extLst>
-            <a:ext uri="{909E8E84-426E-40DD-AFC4-6F175D3DCCD1}">
+            <a:ext uri="{909E8E84-426E-40dd-AFC4-6F175D3DCCD1}">
               <a14:hiddenFill xmlns:a14="http://schemas.microsoft.com/office/drawing/2010/main">
                 <a:solidFill>
                   <a:srgbClr val="FFFFFF"/>
@@ -5344,7 +5344,7 @@
           </a:prstGeom>
           <a:noFill/>
           <a:extLst>
-            <a:ext uri="{909E8E84-426E-40DD-AFC4-6F175D3DCCD1}">
+            <a:ext uri="{909E8E84-426E-40dd-AFC4-6F175D3DCCD1}">
               <a14:hiddenFill xmlns:a14="http://schemas.microsoft.com/office/drawing/2010/main">
                 <a:solidFill>
                   <a:srgbClr val="FFFFFF"/>
@@ -5383,7 +5383,7 @@
           </a:prstGeom>
           <a:noFill/>
           <a:extLst>
-            <a:ext uri="{909E8E84-426E-40DD-AFC4-6F175D3DCCD1}">
+            <a:ext uri="{909E8E84-426E-40dd-AFC4-6F175D3DCCD1}">
               <a14:hiddenFill xmlns:a14="http://schemas.microsoft.com/office/drawing/2010/main">
                 <a:solidFill>
                   <a:srgbClr val="FFFFFF"/>
@@ -5484,7 +5484,7 @@
   <p:timing>
     <p:tnLst>
       <p:par>
-        <p:cTn id="1" dur="indefinite" restart="never" nodeType="tmRoot"/>
+        <p:cTn xmlns:p14="http://schemas.microsoft.com/office/powerpoint/2010/main" id="1" dur="indefinite" restart="never" nodeType="tmRoot"/>
       </p:par>
     </p:tnLst>
   </p:timing>
@@ -5566,7 +5566,7 @@
           </a:prstGeom>
           <a:noFill/>
           <a:extLst>
-            <a:ext uri="{909E8E84-426E-40DD-AFC4-6F175D3DCCD1}">
+            <a:ext uri="{909E8E84-426E-40dd-AFC4-6F175D3DCCD1}">
               <a14:hiddenFill xmlns:a14="http://schemas.microsoft.com/office/drawing/2010/main">
                 <a:solidFill>
                   <a:srgbClr val="FFFFFF"/>
@@ -5605,7 +5605,7 @@
           </a:prstGeom>
           <a:noFill/>
           <a:extLst>
-            <a:ext uri="{909E8E84-426E-40DD-AFC4-6F175D3DCCD1}">
+            <a:ext uri="{909E8E84-426E-40dd-AFC4-6F175D3DCCD1}">
               <a14:hiddenFill xmlns:a14="http://schemas.microsoft.com/office/drawing/2010/main">
                 <a:solidFill>
                   <a:srgbClr val="FFFFFF"/>
@@ -5644,7 +5644,7 @@
           </a:prstGeom>
           <a:noFill/>
           <a:extLst>
-            <a:ext uri="{909E8E84-426E-40DD-AFC4-6F175D3DCCD1}">
+            <a:ext uri="{909E8E84-426E-40dd-AFC4-6F175D3DCCD1}">
               <a14:hiddenFill xmlns:a14="http://schemas.microsoft.com/office/drawing/2010/main">
                 <a:solidFill>
                   <a:srgbClr val="FFFFFF"/>
@@ -5683,7 +5683,7 @@
           </a:prstGeom>
           <a:noFill/>
           <a:extLst>
-            <a:ext uri="{909E8E84-426E-40DD-AFC4-6F175D3DCCD1}">
+            <a:ext uri="{909E8E84-426E-40dd-AFC4-6F175D3DCCD1}">
               <a14:hiddenFill xmlns:a14="http://schemas.microsoft.com/office/drawing/2010/main">
                 <a:solidFill>
                   <a:srgbClr val="FFFFFF"/>
@@ -5722,7 +5722,7 @@
           </a:prstGeom>
           <a:noFill/>
           <a:extLst>
-            <a:ext uri="{909E8E84-426E-40DD-AFC4-6F175D3DCCD1}">
+            <a:ext uri="{909E8E84-426E-40dd-AFC4-6F175D3DCCD1}">
               <a14:hiddenFill xmlns:a14="http://schemas.microsoft.com/office/drawing/2010/main">
                 <a:solidFill>
                   <a:srgbClr val="FFFFFF"/>
@@ -5761,7 +5761,7 @@
           </a:prstGeom>
           <a:noFill/>
           <a:extLst>
-            <a:ext uri="{909E8E84-426E-40DD-AFC4-6F175D3DCCD1}">
+            <a:ext uri="{909E8E84-426E-40dd-AFC4-6F175D3DCCD1}">
               <a14:hiddenFill xmlns:a14="http://schemas.microsoft.com/office/drawing/2010/main">
                 <a:solidFill>
                   <a:srgbClr val="FFFFFF"/>
@@ -5862,7 +5862,7 @@
   <p:timing>
     <p:tnLst>
       <p:par>
-        <p:cTn id="1" dur="indefinite" restart="never" nodeType="tmRoot"/>
+        <p:cTn xmlns:p14="http://schemas.microsoft.com/office/powerpoint/2010/main" id="1" dur="indefinite" restart="never" nodeType="tmRoot"/>
       </p:par>
     </p:tnLst>
   </p:timing>
@@ -7443,7 +7443,7 @@
   <p:timing>
     <p:tnLst>
       <p:par>
-        <p:cTn id="1" dur="indefinite" restart="never" nodeType="tmRoot"/>
+        <p:cTn xmlns:p14="http://schemas.microsoft.com/office/powerpoint/2010/main" id="1" dur="indefinite" restart="never" nodeType="tmRoot"/>
       </p:par>
     </p:tnLst>
   </p:timing>
@@ -7562,7 +7562,7 @@
           </a:prstGeom>
           <a:noFill/>
           <a:extLst>
-            <a:ext uri="{909E8E84-426E-40DD-AFC4-6F175D3DCCD1}">
+            <a:ext uri="{909E8E84-426E-40dd-AFC4-6F175D3DCCD1}">
               <a14:hiddenFill xmlns:a14="http://schemas.microsoft.com/office/drawing/2010/main">
                 <a:solidFill>
                   <a:srgbClr val="FFFFFF"/>
@@ -7601,7 +7601,7 @@
           </a:prstGeom>
           <a:noFill/>
           <a:extLst>
-            <a:ext uri="{909E8E84-426E-40DD-AFC4-6F175D3DCCD1}">
+            <a:ext uri="{909E8E84-426E-40dd-AFC4-6F175D3DCCD1}">
               <a14:hiddenFill xmlns:a14="http://schemas.microsoft.com/office/drawing/2010/main">
                 <a:solidFill>
                   <a:srgbClr val="FFFFFF"/>
@@ -7640,7 +7640,7 @@
           </a:prstGeom>
           <a:noFill/>
           <a:extLst>
-            <a:ext uri="{909E8E84-426E-40DD-AFC4-6F175D3DCCD1}">
+            <a:ext uri="{909E8E84-426E-40dd-AFC4-6F175D3DCCD1}">
               <a14:hiddenFill xmlns:a14="http://schemas.microsoft.com/office/drawing/2010/main">
                 <a:solidFill>
                   <a:srgbClr val="FFFFFF"/>
@@ -7679,7 +7679,7 @@
           </a:prstGeom>
           <a:noFill/>
           <a:extLst>
-            <a:ext uri="{909E8E84-426E-40DD-AFC4-6F175D3DCCD1}">
+            <a:ext uri="{909E8E84-426E-40dd-AFC4-6F175D3DCCD1}">
               <a14:hiddenFill xmlns:a14="http://schemas.microsoft.com/office/drawing/2010/main">
                 <a:solidFill>
                   <a:srgbClr val="FFFFFF"/>
@@ -7718,7 +7718,7 @@
           </a:prstGeom>
           <a:noFill/>
           <a:extLst>
-            <a:ext uri="{909E8E84-426E-40DD-AFC4-6F175D3DCCD1}">
+            <a:ext uri="{909E8E84-426E-40dd-AFC4-6F175D3DCCD1}">
               <a14:hiddenFill xmlns:a14="http://schemas.microsoft.com/office/drawing/2010/main">
                 <a:solidFill>
                   <a:srgbClr val="FFFFFF"/>
@@ -7757,7 +7757,7 @@
           </a:prstGeom>
           <a:noFill/>
           <a:extLst>
-            <a:ext uri="{909E8E84-426E-40DD-AFC4-6F175D3DCCD1}">
+            <a:ext uri="{909E8E84-426E-40dd-AFC4-6F175D3DCCD1}">
               <a14:hiddenFill xmlns:a14="http://schemas.microsoft.com/office/drawing/2010/main">
                 <a:solidFill>
                   <a:srgbClr val="FFFFFF"/>
@@ -8435,7 +8435,7 @@
   <p:timing>
     <p:tnLst>
       <p:par>
-        <p:cTn id="1" dur="indefinite" restart="never" nodeType="tmRoot"/>
+        <p:cTn xmlns:p14="http://schemas.microsoft.com/office/powerpoint/2010/main" id="1" dur="indefinite" restart="never" nodeType="tmRoot"/>
       </p:par>
     </p:tnLst>
   </p:timing>
@@ -8693,7 +8693,7 @@
   <p:timing>
     <p:tnLst>
       <p:par>
-        <p:cTn id="1" dur="indefinite" restart="never" nodeType="tmRoot"/>
+        <p:cTn xmlns:p14="http://schemas.microsoft.com/office/powerpoint/2010/main" id="1" dur="indefinite" restart="never" nodeType="tmRoot"/>
       </p:par>
     </p:tnLst>
   </p:timing>
@@ -8776,7 +8776,7 @@
   <p:timing>
     <p:tnLst>
       <p:par>
-        <p:cTn id="1" dur="indefinite" restart="never" nodeType="tmRoot"/>
+        <p:cTn xmlns:p14="http://schemas.microsoft.com/office/powerpoint/2010/main" id="1" dur="indefinite" restart="never" nodeType="tmRoot"/>
       </p:par>
     </p:tnLst>
   </p:timing>
@@ -8908,7 +8908,7 @@
           </a:prstGeom>
           <a:noFill/>
           <a:extLst>
-            <a:ext uri="{909E8E84-426E-40DD-AFC4-6F175D3DCCD1}">
+            <a:ext uri="{909E8E84-426E-40dd-AFC4-6F175D3DCCD1}">
               <a14:hiddenFill xmlns:a14="http://schemas.microsoft.com/office/drawing/2010/main">
                 <a:solidFill>
                   <a:srgbClr val="FFFFFF"/>
@@ -8949,7 +8949,7 @@
           </a:prstGeom>
           <a:noFill/>
           <a:extLst>
-            <a:ext uri="{909E8E84-426E-40DD-AFC4-6F175D3DCCD1}">
+            <a:ext uri="{909E8E84-426E-40dd-AFC4-6F175D3DCCD1}">
               <a14:hiddenFill xmlns:a14="http://schemas.microsoft.com/office/drawing/2010/main">
                 <a:solidFill>
                   <a:srgbClr val="FFFFFF"/>
@@ -8988,7 +8988,7 @@
           </a:prstGeom>
           <a:noFill/>
           <a:extLst>
-            <a:ext uri="{909E8E84-426E-40DD-AFC4-6F175D3DCCD1}">
+            <a:ext uri="{909E8E84-426E-40dd-AFC4-6F175D3DCCD1}">
               <a14:hiddenFill xmlns:a14="http://schemas.microsoft.com/office/drawing/2010/main">
                 <a:solidFill>
                   <a:srgbClr val="FFFFFF"/>
@@ -9029,7 +9029,7 @@
           </a:prstGeom>
           <a:noFill/>
           <a:extLst>
-            <a:ext uri="{909E8E84-426E-40DD-AFC4-6F175D3DCCD1}">
+            <a:ext uri="{909E8E84-426E-40dd-AFC4-6F175D3DCCD1}">
               <a14:hiddenFill xmlns:a14="http://schemas.microsoft.com/office/drawing/2010/main">
                 <a:solidFill>
                   <a:srgbClr val="FFFFFF"/>
@@ -9068,7 +9068,7 @@
           </a:prstGeom>
           <a:noFill/>
           <a:extLst>
-            <a:ext uri="{909E8E84-426E-40DD-AFC4-6F175D3DCCD1}">
+            <a:ext uri="{909E8E84-426E-40dd-AFC4-6F175D3DCCD1}">
               <a14:hiddenFill xmlns:a14="http://schemas.microsoft.com/office/drawing/2010/main">
                 <a:solidFill>
                   <a:srgbClr val="FFFFFF"/>
@@ -9125,7 +9125,7 @@
   <p:timing>
     <p:tnLst>
       <p:par>
-        <p:cTn id="1" dur="indefinite" restart="never" nodeType="tmRoot">
+        <p:cTn xmlns:p14="http://schemas.microsoft.com/office/powerpoint/2010/main" id="1" dur="indefinite" restart="never" nodeType="tmRoot">
           <p:childTnLst>
             <p:seq concurrent="1" nextAc="seek">
               <p:cTn id="2" dur="indefinite" nodeType="mainSeq">
@@ -9941,7 +9941,7 @@
             </a:outerShdw>
           </a:effectLst>
           <a:extLst>
-            <a:ext uri="{909E8E84-426E-40DD-AFC4-6F175D3DCCD1}">
+            <a:ext uri="{909E8E84-426E-40dd-AFC4-6F175D3DCCD1}">
               <a14:hiddenFill xmlns:a14="http://schemas.microsoft.com/office/drawing/2010/main">
                 <a:solidFill>
                   <a:srgbClr val="FFFFFF"/>
@@ -10137,7 +10137,7 @@
             </a:outerShdw>
           </a:effectLst>
           <a:extLst>
-            <a:ext uri="{909E8E84-426E-40DD-AFC4-6F175D3DCCD1}">
+            <a:ext uri="{909E8E84-426E-40dd-AFC4-6F175D3DCCD1}">
               <a14:hiddenFill xmlns:a14="http://schemas.microsoft.com/office/drawing/2010/main">
                 <a:solidFill>
                   <a:srgbClr val="FFFFFF"/>
@@ -10526,7 +10526,7 @@
   <p:timing>
     <p:tnLst>
       <p:par>
-        <p:cTn id="1" dur="indefinite" restart="never" nodeType="tmRoot"/>
+        <p:cTn xmlns:p14="http://schemas.microsoft.com/office/powerpoint/2010/main" id="1" dur="indefinite" restart="never" nodeType="tmRoot"/>
       </p:par>
     </p:tnLst>
   </p:timing>
@@ -11164,7 +11164,7 @@
   <p:timing>
     <p:tnLst>
       <p:par>
-        <p:cTn id="1" dur="indefinite" restart="never" nodeType="tmRoot"/>
+        <p:cTn xmlns:p14="http://schemas.microsoft.com/office/powerpoint/2010/main" id="1" dur="indefinite" restart="never" nodeType="tmRoot"/>
       </p:par>
     </p:tnLst>
   </p:timing>
@@ -12429,7 +12429,7 @@
           </a:prstGeom>
           <a:noFill/>
           <a:extLst>
-            <a:ext uri="{909E8E84-426E-40DD-AFC4-6F175D3DCCD1}">
+            <a:ext uri="{909E8E84-426E-40dd-AFC4-6F175D3DCCD1}">
               <a14:hiddenFill xmlns:a14="http://schemas.microsoft.com/office/drawing/2010/main">
                 <a:solidFill>
                   <a:srgbClr val="FFFFFF"/>
@@ -12470,7 +12470,7 @@
           </a:prstGeom>
           <a:noFill/>
           <a:extLst>
-            <a:ext uri="{909E8E84-426E-40DD-AFC4-6F175D3DCCD1}">
+            <a:ext uri="{909E8E84-426E-40dd-AFC4-6F175D3DCCD1}">
               <a14:hiddenFill xmlns:a14="http://schemas.microsoft.com/office/drawing/2010/main">
                 <a:solidFill>
                   <a:srgbClr val="FFFFFF"/>
@@ -12493,7 +12493,7 @@
   <p:timing>
     <p:tnLst>
       <p:par>
-        <p:cTn id="1" dur="indefinite" restart="never" nodeType="tmRoot"/>
+        <p:cTn xmlns:p14="http://schemas.microsoft.com/office/powerpoint/2010/main" id="1" dur="indefinite" restart="never" nodeType="tmRoot"/>
       </p:par>
     </p:tnLst>
   </p:timing>
@@ -13128,14 +13128,14 @@
           </a:ln>
           <a:effectLst/>
           <a:extLst>
-            <a:ext uri="{909E8E84-426E-40DD-AFC4-6F175D3DCCD1}">
+            <a:ext uri="{909E8E84-426E-40dd-AFC4-6F175D3DCCD1}">
               <a14:hiddenFill xmlns:a14="http://schemas.microsoft.com/office/drawing/2010/main">
                 <a:solidFill>
                   <a:schemeClr val="accent1"/>
                 </a:solidFill>
               </a14:hiddenFill>
             </a:ext>
-            <a:ext uri="{91240B29-F687-4F45-9708-019B960494DF}">
+            <a:ext uri="{91240B29-F687-4f45-9708-019B960494DF}">
               <a14:hiddenLine xmlns:a14="http://schemas.microsoft.com/office/drawing/2010/main" w="9525">
                 <a:solidFill>
                   <a:schemeClr val="tx1"/>
@@ -13145,7 +13145,7 @@
                 <a:tailEnd/>
               </a14:hiddenLine>
             </a:ext>
-            <a:ext uri="{AF507438-7753-43E0-B8FC-AC1667EBCBE1}">
+            <a:ext uri="{AF507438-7753-43e0-B8FC-AC1667EBCBE1}">
               <a14:hiddenEffects xmlns:a14="http://schemas.microsoft.com/office/drawing/2010/main">
                 <a:effectLst>
                   <a:outerShdw dist="35921" dir="2700000" algn="ctr" rotWithShape="0">
@@ -13361,7 +13361,7 @@
   <p:timing>
     <p:tnLst>
       <p:par>
-        <p:cTn id="1" dur="indefinite" restart="never" nodeType="tmRoot"/>
+        <p:cTn xmlns:p14="http://schemas.microsoft.com/office/powerpoint/2010/main" id="1" dur="indefinite" restart="never" nodeType="tmRoot"/>
       </p:par>
     </p:tnLst>
   </p:timing>
@@ -14344,7 +14344,7 @@
           </a:prstGeom>
           <a:noFill/>
           <a:extLst>
-            <a:ext uri="{909E8E84-426E-40DD-AFC4-6F175D3DCCD1}">
+            <a:ext uri="{909E8E84-426E-40dd-AFC4-6F175D3DCCD1}">
               <a14:hiddenFill xmlns:a14="http://schemas.microsoft.com/office/drawing/2010/main">
                 <a:solidFill>
                   <a:srgbClr val="FFFFFF"/>
@@ -14385,7 +14385,7 @@
           </a:prstGeom>
           <a:noFill/>
           <a:extLst>
-            <a:ext uri="{909E8E84-426E-40DD-AFC4-6F175D3DCCD1}">
+            <a:ext uri="{909E8E84-426E-40dd-AFC4-6F175D3DCCD1}">
               <a14:hiddenFill xmlns:a14="http://schemas.microsoft.com/office/drawing/2010/main">
                 <a:solidFill>
                   <a:srgbClr val="FFFFFF"/>
@@ -14438,7 +14438,7 @@
   <p:timing>
     <p:tnLst>
       <p:par>
-        <p:cTn id="1" dur="indefinite" restart="never" nodeType="tmRoot"/>
+        <p:cTn xmlns:p14="http://schemas.microsoft.com/office/powerpoint/2010/main" id="1" dur="indefinite" restart="never" nodeType="tmRoot"/>
       </p:par>
     </p:tnLst>
   </p:timing>
@@ -15345,7 +15345,7 @@
   <p:timing>
     <p:tnLst>
       <p:par>
-        <p:cTn id="1" dur="indefinite" restart="never" nodeType="tmRoot"/>
+        <p:cTn xmlns:p14="http://schemas.microsoft.com/office/powerpoint/2010/main" id="1" dur="indefinite" restart="never" nodeType="tmRoot"/>
       </p:par>
     </p:tnLst>
   </p:timing>
@@ -15530,7 +15530,7 @@
   <p:timing>
     <p:tnLst>
       <p:par>
-        <p:cTn id="1" dur="indefinite" restart="never" nodeType="tmRoot"/>
+        <p:cTn xmlns:p14="http://schemas.microsoft.com/office/powerpoint/2010/main" id="1" dur="indefinite" restart="never" nodeType="tmRoot"/>
       </p:par>
     </p:tnLst>
   </p:timing>
@@ -15636,7 +15636,7 @@
           </a:prstGeom>
           <a:noFill/>
           <a:extLst>
-            <a:ext uri="{909E8E84-426E-40DD-AFC4-6F175D3DCCD1}">
+            <a:ext uri="{909E8E84-426E-40dd-AFC4-6F175D3DCCD1}">
               <a14:hiddenFill xmlns:a14="http://schemas.microsoft.com/office/drawing/2010/main">
                 <a:solidFill>
                   <a:srgbClr val="FFFFFF"/>
@@ -15903,7 +15903,7 @@
   <p:timing>
     <p:tnLst>
       <p:par>
-        <p:cTn id="1" dur="indefinite" restart="never" nodeType="tmRoot"/>
+        <p:cTn xmlns:p14="http://schemas.microsoft.com/office/powerpoint/2010/main" id="1" dur="indefinite" restart="never" nodeType="tmRoot"/>
       </p:par>
     </p:tnLst>
   </p:timing>
@@ -15969,7 +15969,7 @@
           </a:prstGeom>
           <a:noFill/>
           <a:extLst>
-            <a:ext uri="{909E8E84-426E-40DD-AFC4-6F175D3DCCD1}">
+            <a:ext uri="{909E8E84-426E-40dd-AFC4-6F175D3DCCD1}">
               <a14:hiddenFill xmlns:a14="http://schemas.microsoft.com/office/drawing/2010/main">
                 <a:solidFill>
                   <a:srgbClr val="FFFFFF"/>
@@ -15992,7 +15992,7 @@
   <p:timing>
     <p:tnLst>
       <p:par>
-        <p:cTn id="1" dur="indefinite" restart="never" nodeType="tmRoot"/>
+        <p:cTn xmlns:p14="http://schemas.microsoft.com/office/powerpoint/2010/main" id="1" dur="indefinite" restart="never" nodeType="tmRoot"/>
       </p:par>
     </p:tnLst>
   </p:timing>
@@ -16058,7 +16058,7 @@
           </a:prstGeom>
           <a:noFill/>
           <a:extLst>
-            <a:ext uri="{909E8E84-426E-40DD-AFC4-6F175D3DCCD1}">
+            <a:ext uri="{909E8E84-426E-40dd-AFC4-6F175D3DCCD1}">
               <a14:hiddenFill xmlns:a14="http://schemas.microsoft.com/office/drawing/2010/main">
                 <a:solidFill>
                   <a:srgbClr val="FFFFFF"/>
@@ -16081,7 +16081,7 @@
   <p:timing>
     <p:tnLst>
       <p:par>
-        <p:cTn id="1" dur="indefinite" restart="never" nodeType="tmRoot"/>
+        <p:cTn xmlns:p14="http://schemas.microsoft.com/office/powerpoint/2010/main" id="1" dur="indefinite" restart="never" nodeType="tmRoot"/>
       </p:par>
     </p:tnLst>
   </p:timing>
@@ -16185,7 +16185,7 @@
           </a:prstGeom>
           <a:noFill/>
           <a:extLst>
-            <a:ext uri="{909E8E84-426E-40DD-AFC4-6F175D3DCCD1}">
+            <a:ext uri="{909E8E84-426E-40dd-AFC4-6F175D3DCCD1}">
               <a14:hiddenFill xmlns:a14="http://schemas.microsoft.com/office/drawing/2010/main">
                 <a:solidFill>
                   <a:srgbClr val="FFFFFF"/>
@@ -16303,7 +16303,7 @@
   <p:timing>
     <p:tnLst>
       <p:par>
-        <p:cTn id="1" dur="indefinite" restart="never" nodeType="tmRoot"/>
+        <p:cTn xmlns:p14="http://schemas.microsoft.com/office/powerpoint/2010/main" id="1" dur="indefinite" restart="never" nodeType="tmRoot"/>
       </p:par>
     </p:tnLst>
   </p:timing>
@@ -17086,7 +17086,7 @@
   <p:timing>
     <p:tnLst>
       <p:par>
-        <p:cTn id="1" dur="indefinite" restart="never" nodeType="tmRoot"/>
+        <p:cTn xmlns:p14="http://schemas.microsoft.com/office/powerpoint/2010/main" id="1" dur="indefinite" restart="never" nodeType="tmRoot"/>
       </p:par>
     </p:tnLst>
   </p:timing>
@@ -17440,7 +17440,7 @@
   <p:timing>
     <p:tnLst>
       <p:par>
-        <p:cTn id="1" dur="indefinite" restart="never" nodeType="tmRoot"/>
+        <p:cTn xmlns:p14="http://schemas.microsoft.com/office/powerpoint/2010/main" id="1" dur="indefinite" restart="never" nodeType="tmRoot"/>
       </p:par>
     </p:tnLst>
   </p:timing>
@@ -17598,12 +17598,6 @@
               </a:rPr>
               <a:t>https://github.com/aFarkas/html5shiv/</a:t>
             </a:r>
-            <a:endParaRPr lang="en-US" sz="1400" b="1" dirty="0">
-              <a:solidFill>
-                <a:schemeClr val="bg1"/>
-              </a:solidFill>
-              <a:latin typeface="Candara" panose="020E0502030303020204" pitchFamily="34" charset="0"/>
-            </a:endParaRPr>
           </a:p>
         </p:txBody>
       </p:sp>
@@ -17917,18 +17911,7 @@
                   </a:schemeClr>
                 </a:solidFill>
               </a:rPr>
-              <a:t>. web </a:t>
-            </a:r>
-            <a:r>
-              <a:rPr lang="en-US" sz="1600" dirty="0" smtClean="0">
-                <a:solidFill>
-                  <a:schemeClr val="tx1">
-                    <a:lumMod val="85000"/>
-                    <a:lumOff val="15000"/>
-                  </a:schemeClr>
-                </a:solidFill>
-              </a:rPr>
-              <a:t>SQ</a:t>
+              <a:t>. web SQ</a:t>
             </a:r>
             <a:r>
               <a:rPr lang="en-US" sz="1600" dirty="0">
@@ -18004,7 +17987,7 @@
   <p:timing>
     <p:tnLst>
       <p:par>
-        <p:cTn id="1" dur="indefinite" restart="never" nodeType="tmRoot"/>
+        <p:cTn xmlns:p14="http://schemas.microsoft.com/office/powerpoint/2010/main" id="1" dur="indefinite" restart="never" nodeType="tmRoot"/>
       </p:par>
     </p:tnLst>
   </p:timing>
@@ -18442,7 +18425,7 @@
   <p:timing>
     <p:tnLst>
       <p:par>
-        <p:cTn id="1" dur="indefinite" restart="never" nodeType="tmRoot"/>
+        <p:cTn xmlns:p14="http://schemas.microsoft.com/office/powerpoint/2010/main" id="1" dur="indefinite" restart="never" nodeType="tmRoot"/>
       </p:par>
     </p:tnLst>
   </p:timing>
@@ -18709,7 +18692,7 @@
   <p:timing>
     <p:tnLst>
       <p:par>
-        <p:cTn id="1" dur="indefinite" restart="never" nodeType="tmRoot"/>
+        <p:cTn xmlns:p14="http://schemas.microsoft.com/office/powerpoint/2010/main" id="1" dur="indefinite" restart="never" nodeType="tmRoot"/>
       </p:par>
     </p:tnLst>
   </p:timing>
@@ -18917,15 +18900,7 @@
                   <a:srgbClr val="4BACC6"/>
                 </a:solidFill>
               </a:rPr>
-              <a:t>Better </a:t>
-            </a:r>
-            <a:r>
-              <a:rPr lang="en-US" sz="1600" dirty="0" smtClean="0">
-                <a:solidFill>
-                  <a:srgbClr val="4BACC6"/>
-                </a:solidFill>
-              </a:rPr>
-              <a:t>semantics </a:t>
+              <a:t>Better semantics </a:t>
             </a:r>
             <a:r>
               <a:rPr lang="en-US" sz="1600" dirty="0" smtClean="0"/>
@@ -18959,11 +18934,7 @@
             </a:r>
             <a:r>
               <a:rPr lang="en-US" sz="1600" dirty="0" smtClean="0"/>
-              <a:t>– every article creates a mini section with its own child-parent </a:t>
-            </a:r>
-            <a:r>
-              <a:rPr lang="en-US" sz="1600" dirty="0" smtClean="0"/>
-              <a:t>relationships</a:t>
+              <a:t>– every article creates a mini section with its own child-parent relationships</a:t>
             </a:r>
           </a:p>
           <a:p>
@@ -18983,7 +18954,6 @@
               <a:rPr lang="en-US" sz="1600" dirty="0" smtClean="0"/>
               <a:t>tag defines data within a section which is indirectly related to the content surrounding it.</a:t>
             </a:r>
-            <a:endParaRPr lang="en-US" sz="1600" dirty="0" smtClean="0"/>
           </a:p>
         </p:txBody>
       </p:sp>
@@ -19090,7 +19060,7 @@
   <p:timing>
     <p:tnLst>
       <p:par>
-        <p:cTn id="1" dur="indefinite" restart="never" nodeType="tmRoot"/>
+        <p:cTn xmlns:p14="http://schemas.microsoft.com/office/powerpoint/2010/main" id="1" dur="indefinite" restart="never" nodeType="tmRoot"/>
       </p:par>
     </p:tnLst>
   </p:timing>
@@ -19461,7 +19431,7 @@
   <p:timing>
     <p:tnLst>
       <p:par>
-        <p:cTn id="1" dur="indefinite" restart="never" nodeType="tmRoot"/>
+        <p:cTn xmlns:p14="http://schemas.microsoft.com/office/powerpoint/2010/main" id="1" dur="indefinite" restart="never" nodeType="tmRoot"/>
       </p:par>
     </p:tnLst>
   </p:timing>
@@ -19647,7 +19617,7 @@
           </a:prstGeom>
           <a:noFill/>
           <a:extLst>
-            <a:ext uri="{909E8E84-426E-40DD-AFC4-6F175D3DCCD1}">
+            <a:ext uri="{909E8E84-426E-40dd-AFC4-6F175D3DCCD1}">
               <a14:hiddenFill xmlns:a14="http://schemas.microsoft.com/office/drawing/2010/main">
                 <a:solidFill>
                   <a:srgbClr val="FFFFFF"/>
@@ -19817,7 +19787,7 @@
   <p:timing>
     <p:tnLst>
       <p:par>
-        <p:cTn id="1" dur="indefinite" restart="never" nodeType="tmRoot"/>
+        <p:cTn xmlns:p14="http://schemas.microsoft.com/office/powerpoint/2010/main" id="1" dur="indefinite" restart="never" nodeType="tmRoot"/>
       </p:par>
     </p:tnLst>
   </p:timing>
@@ -19973,7 +19943,7 @@
           </a:prstGeom>
           <a:noFill/>
           <a:extLst>
-            <a:ext uri="{909E8E84-426E-40DD-AFC4-6F175D3DCCD1}">
+            <a:ext uri="{909E8E84-426E-40dd-AFC4-6F175D3DCCD1}">
               <a14:hiddenFill xmlns:a14="http://schemas.microsoft.com/office/drawing/2010/main">
                 <a:solidFill>
                   <a:srgbClr val="FFFFFF"/>
@@ -20142,7 +20112,7 @@
   <p:timing>
     <p:tnLst>
       <p:par>
-        <p:cTn id="1" dur="indefinite" restart="never" nodeType="tmRoot"/>
+        <p:cTn xmlns:p14="http://schemas.microsoft.com/office/powerpoint/2010/main" id="1" dur="indefinite" restart="never" nodeType="tmRoot"/>
       </p:par>
     </p:tnLst>
   </p:timing>
@@ -20462,7 +20432,7 @@
   <p:timing>
     <p:tnLst>
       <p:par>
-        <p:cTn id="1" dur="indefinite" restart="never" nodeType="tmRoot"/>
+        <p:cTn xmlns:p14="http://schemas.microsoft.com/office/powerpoint/2010/main" id="1" dur="indefinite" restart="never" nodeType="tmRoot"/>
       </p:par>
     </p:tnLst>
   </p:timing>
@@ -20696,7 +20666,7 @@
   <p:timing>
     <p:tnLst>
       <p:par>
-        <p:cTn id="1" dur="indefinite" restart="never" nodeType="tmRoot"/>
+        <p:cTn xmlns:p14="http://schemas.microsoft.com/office/powerpoint/2010/main" id="1" dur="indefinite" restart="never" nodeType="tmRoot"/>
       </p:par>
     </p:tnLst>
   </p:timing>
@@ -21080,14 +21050,14 @@
           </a:ln>
           <a:effectLst/>
           <a:extLst>
-            <a:ext uri="{909E8E84-426E-40DD-AFC4-6F175D3DCCD1}">
+            <a:ext uri="{909E8E84-426E-40dd-AFC4-6F175D3DCCD1}">
               <a14:hiddenFill xmlns:a14="http://schemas.microsoft.com/office/drawing/2010/main">
                 <a:solidFill>
                   <a:schemeClr val="accent1"/>
                 </a:solidFill>
               </a14:hiddenFill>
             </a:ext>
-            <a:ext uri="{91240B29-F687-4F45-9708-019B960494DF}">
+            <a:ext uri="{91240B29-F687-4f45-9708-019B960494DF}">
               <a14:hiddenLine xmlns:a14="http://schemas.microsoft.com/office/drawing/2010/main" w="9525">
                 <a:solidFill>
                   <a:schemeClr val="tx1"/>
@@ -21097,7 +21067,7 @@
                 <a:tailEnd/>
               </a14:hiddenLine>
             </a:ext>
-            <a:ext uri="{AF507438-7753-43E0-B8FC-AC1667EBCBE1}">
+            <a:ext uri="{AF507438-7753-43e0-B8FC-AC1667EBCBE1}">
               <a14:hiddenEffects xmlns:a14="http://schemas.microsoft.com/office/drawing/2010/main">
                 <a:effectLst>
                   <a:outerShdw dist="35921" dir="2700000" algn="ctr" rotWithShape="0">
@@ -21209,7 +21179,7 @@
           </a:prstGeom>
           <a:noFill/>
           <a:extLst>
-            <a:ext uri="{909E8E84-426E-40DD-AFC4-6F175D3DCCD1}">
+            <a:ext uri="{909E8E84-426E-40dd-AFC4-6F175D3DCCD1}">
               <a14:hiddenFill xmlns:a14="http://schemas.microsoft.com/office/drawing/2010/main">
                 <a:solidFill>
                   <a:srgbClr val="FFFFFF"/>
@@ -21285,7 +21255,7 @@
           </a:prstGeom>
           <a:noFill/>
           <a:extLst>
-            <a:ext uri="{909E8E84-426E-40DD-AFC4-6F175D3DCCD1}">
+            <a:ext uri="{909E8E84-426E-40dd-AFC4-6F175D3DCCD1}">
               <a14:hiddenFill xmlns:a14="http://schemas.microsoft.com/office/drawing/2010/main">
                 <a:solidFill>
                   <a:srgbClr val="FFFFFF"/>
@@ -21365,14 +21335,14 @@
           </a:ln>
           <a:effectLst/>
           <a:extLst>
-            <a:ext uri="{909E8E84-426E-40DD-AFC4-6F175D3DCCD1}">
+            <a:ext uri="{909E8E84-426E-40dd-AFC4-6F175D3DCCD1}">
               <a14:hiddenFill xmlns:a14="http://schemas.microsoft.com/office/drawing/2010/main">
                 <a:solidFill>
                   <a:schemeClr val="accent1"/>
                 </a:solidFill>
               </a14:hiddenFill>
             </a:ext>
-            <a:ext uri="{91240B29-F687-4F45-9708-019B960494DF}">
+            <a:ext uri="{91240B29-F687-4f45-9708-019B960494DF}">
               <a14:hiddenLine xmlns:a14="http://schemas.microsoft.com/office/drawing/2010/main" w="9525">
                 <a:solidFill>
                   <a:schemeClr val="tx1"/>
@@ -21382,7 +21352,7 @@
                 <a:tailEnd/>
               </a14:hiddenLine>
             </a:ext>
-            <a:ext uri="{AF507438-7753-43E0-B8FC-AC1667EBCBE1}">
+            <a:ext uri="{AF507438-7753-43e0-B8FC-AC1667EBCBE1}">
               <a14:hiddenEffects xmlns:a14="http://schemas.microsoft.com/office/drawing/2010/main">
                 <a:effectLst>
                   <a:outerShdw dist="35921" dir="2700000" algn="ctr" rotWithShape="0">
@@ -21429,14 +21399,14 @@
           </a:ln>
           <a:effectLst/>
           <a:extLst>
-            <a:ext uri="{909E8E84-426E-40DD-AFC4-6F175D3DCCD1}">
+            <a:ext uri="{909E8E84-426E-40dd-AFC4-6F175D3DCCD1}">
               <a14:hiddenFill xmlns:a14="http://schemas.microsoft.com/office/drawing/2010/main">
                 <a:solidFill>
                   <a:schemeClr val="accent1"/>
                 </a:solidFill>
               </a14:hiddenFill>
             </a:ext>
-            <a:ext uri="{91240B29-F687-4F45-9708-019B960494DF}">
+            <a:ext uri="{91240B29-F687-4f45-9708-019B960494DF}">
               <a14:hiddenLine xmlns:a14="http://schemas.microsoft.com/office/drawing/2010/main" w="9525">
                 <a:solidFill>
                   <a:schemeClr val="tx1"/>
@@ -21446,7 +21416,7 @@
                 <a:tailEnd/>
               </a14:hiddenLine>
             </a:ext>
-            <a:ext uri="{AF507438-7753-43E0-B8FC-AC1667EBCBE1}">
+            <a:ext uri="{AF507438-7753-43e0-B8FC-AC1667EBCBE1}">
               <a14:hiddenEffects xmlns:a14="http://schemas.microsoft.com/office/drawing/2010/main">
                 <a:effectLst>
                   <a:outerShdw dist="35921" dir="2700000" algn="ctr" rotWithShape="0">
@@ -21520,7 +21490,7 @@
           </a:prstGeom>
           <a:noFill/>
           <a:extLst>
-            <a:ext uri="{909E8E84-426E-40DD-AFC4-6F175D3DCCD1}">
+            <a:ext uri="{909E8E84-426E-40dd-AFC4-6F175D3DCCD1}">
               <a14:hiddenFill xmlns:a14="http://schemas.microsoft.com/office/drawing/2010/main">
                 <a:solidFill>
                   <a:srgbClr val="FFFFFF"/>
@@ -21561,7 +21531,7 @@
           </a:prstGeom>
           <a:noFill/>
           <a:extLst>
-            <a:ext uri="{909E8E84-426E-40DD-AFC4-6F175D3DCCD1}">
+            <a:ext uri="{909E8E84-426E-40dd-AFC4-6F175D3DCCD1}">
               <a14:hiddenFill xmlns:a14="http://schemas.microsoft.com/office/drawing/2010/main">
                 <a:solidFill>
                   <a:srgbClr val="FFFFFF"/>
@@ -21602,7 +21572,7 @@
           </a:prstGeom>
           <a:noFill/>
           <a:extLst>
-            <a:ext uri="{909E8E84-426E-40DD-AFC4-6F175D3DCCD1}">
+            <a:ext uri="{909E8E84-426E-40dd-AFC4-6F175D3DCCD1}">
               <a14:hiddenFill xmlns:a14="http://schemas.microsoft.com/office/drawing/2010/main">
                 <a:solidFill>
                   <a:srgbClr val="FFFFFF"/>
@@ -21649,7 +21619,7 @@
   <p:timing>
     <p:tnLst>
       <p:par>
-        <p:cTn id="1" dur="indefinite" restart="never" nodeType="tmRoot"/>
+        <p:cTn xmlns:p14="http://schemas.microsoft.com/office/powerpoint/2010/main" id="1" dur="indefinite" restart="never" nodeType="tmRoot"/>
       </p:par>
     </p:tnLst>
   </p:timing>
@@ -21799,7 +21769,7 @@
           </a:prstGeom>
           <a:noFill/>
           <a:extLst>
-            <a:ext uri="{909E8E84-426E-40DD-AFC4-6F175D3DCCD1}">
+            <a:ext uri="{909E8E84-426E-40dd-AFC4-6F175D3DCCD1}">
               <a14:hiddenFill xmlns:a14="http://schemas.microsoft.com/office/drawing/2010/main">
                 <a:solidFill>
                   <a:srgbClr val="FFFFFF"/>
@@ -21817,8 +21787,8 @@
         </p:nvSpPr>
         <p:spPr>
           <a:xfrm>
-            <a:off x="3493851" y="3989353"/>
-            <a:ext cx="2809672" cy="1477328"/>
+            <a:off x="3493851" y="3989352"/>
+            <a:ext cx="2818520" cy="1754327"/>
           </a:xfrm>
           <a:prstGeom prst="rect">
             <a:avLst/>
@@ -21905,7 +21875,7 @@
           </a:prstGeom>
           <a:noFill/>
           <a:extLst>
-            <a:ext uri="{909E8E84-426E-40DD-AFC4-6F175D3DCCD1}">
+            <a:ext uri="{909E8E84-426E-40dd-AFC4-6F175D3DCCD1}">
               <a14:hiddenFill xmlns:a14="http://schemas.microsoft.com/office/drawing/2010/main">
                 <a:solidFill>
                   <a:srgbClr val="FFFFFF"/>
@@ -21958,7 +21928,7 @@
   <p:timing>
     <p:tnLst>
       <p:par>
-        <p:cTn id="1" dur="indefinite" restart="never" nodeType="tmRoot"/>
+        <p:cTn xmlns:p14="http://schemas.microsoft.com/office/powerpoint/2010/main" id="1" dur="indefinite" restart="never" nodeType="tmRoot"/>
       </p:par>
     </p:tnLst>
   </p:timing>
@@ -22201,7 +22171,7 @@
           </a:prstGeom>
           <a:noFill/>
           <a:extLst>
-            <a:ext uri="{909E8E84-426E-40DD-AFC4-6F175D3DCCD1}">
+            <a:ext uri="{909E8E84-426E-40dd-AFC4-6F175D3DCCD1}">
               <a14:hiddenFill xmlns:a14="http://schemas.microsoft.com/office/drawing/2010/main">
                 <a:solidFill>
                   <a:srgbClr val="FFFFFF"/>
@@ -22241,7 +22211,6 @@
               <a:rPr lang="en-US" sz="1600" dirty="0" smtClean="0"/>
               <a:t>The cheat sheet in the references show more of the canvas API </a:t>
             </a:r>
-            <a:endParaRPr lang="en-US" sz="1600" dirty="0" smtClean="0"/>
           </a:p>
         </p:txBody>
       </p:sp>
@@ -22258,7 +22227,7 @@
   <p:timing>
     <p:tnLst>
       <p:par>
-        <p:cTn id="1" dur="indefinite" restart="never" nodeType="tmRoot"/>
+        <p:cTn xmlns:p14="http://schemas.microsoft.com/office/powerpoint/2010/main" id="1" dur="indefinite" restart="never" nodeType="tmRoot"/>
       </p:par>
     </p:tnLst>
   </p:timing>
@@ -22375,6 +22344,13 @@
   <p:clrMapOvr>
     <a:masterClrMapping/>
   </p:clrMapOvr>
+  <p:timing>
+    <p:tnLst>
+      <p:par>
+        <p:cTn xmlns:p14="http://schemas.microsoft.com/office/powerpoint/2010/main" id="1" dur="indefinite" restart="never" nodeType="tmRoot"/>
+      </p:par>
+    </p:tnLst>
+  </p:timing>
 </p:sld>
 </file>
 
@@ -22784,7 +22760,7 @@
   <p:timing>
     <p:tnLst>
       <p:par>
-        <p:cTn id="1" dur="indefinite" restart="never" nodeType="tmRoot"/>
+        <p:cTn xmlns:p14="http://schemas.microsoft.com/office/powerpoint/2010/main" id="1" dur="indefinite" restart="never" nodeType="tmRoot"/>
       </p:par>
     </p:tnLst>
   </p:timing>
@@ -23800,7 +23776,7 @@
   <p:timing>
     <p:tnLst>
       <p:par>
-        <p:cTn id="1" dur="indefinite" restart="never" nodeType="tmRoot"/>
+        <p:cTn xmlns:p14="http://schemas.microsoft.com/office/powerpoint/2010/main" id="1" dur="indefinite" restart="never" nodeType="tmRoot"/>
       </p:par>
     </p:tnLst>
   </p:timing>
@@ -23890,7 +23866,7 @@
   <p:timing>
     <p:tnLst>
       <p:par>
-        <p:cTn id="1" dur="indefinite" restart="never" nodeType="tmRoot"/>
+        <p:cTn xmlns:p14="http://schemas.microsoft.com/office/powerpoint/2010/main" id="1" dur="indefinite" restart="never" nodeType="tmRoot"/>
       </p:par>
     </p:tnLst>
   </p:timing>
@@ -25126,7 +25102,7 @@
   <p:timing>
     <p:tnLst>
       <p:par>
-        <p:cTn id="1" dur="indefinite" restart="never" nodeType="tmRoot"/>
+        <p:cTn xmlns:p14="http://schemas.microsoft.com/office/powerpoint/2010/main" id="1" dur="indefinite" restart="never" nodeType="tmRoot"/>
       </p:par>
     </p:tnLst>
   </p:timing>
@@ -25243,7 +25219,7 @@
         </p:nvGraphicFramePr>
         <p:xfrm>
           <a:off x="304800" y="838200"/>
-          <a:ext cx="8382000" cy="5742582"/>
+          <a:ext cx="8382000" cy="5738229"/>
         </p:xfrm>
         <a:graphic>
           <a:graphicData uri="http://schemas.openxmlformats.org/drawingml/2006/table">
@@ -26733,7 +26709,7 @@
           </a:prstGeom>
           <a:noFill/>
           <a:extLst>
-            <a:ext uri="{909E8E84-426E-40DD-AFC4-6F175D3DCCD1}">
+            <a:ext uri="{909E8E84-426E-40dd-AFC4-6F175D3DCCD1}">
               <a14:hiddenFill xmlns:a14="http://schemas.microsoft.com/office/drawing/2010/main">
                 <a:solidFill>
                   <a:srgbClr val="FFFFFF"/>
@@ -26756,7 +26732,7 @@
   <p:timing>
     <p:tnLst>
       <p:par>
-        <p:cTn id="1" dur="indefinite" restart="never" nodeType="tmRoot"/>
+        <p:cTn xmlns:p14="http://schemas.microsoft.com/office/powerpoint/2010/main" id="1" dur="indefinite" restart="never" nodeType="tmRoot"/>
       </p:par>
     </p:tnLst>
   </p:timing>
@@ -26806,7 +26782,7 @@
     </a:clrScheme>
     <a:fontScheme name="Office">
       <a:majorFont>
-        <a:latin typeface="Calibri Light" panose="020F0302020204030204"/>
+        <a:latin typeface="Calibri Light"/>
         <a:ea typeface=""/>
         <a:cs typeface=""/>
         <a:font script="Jpan" typeface="ＭＳ Ｐゴシック"/>
@@ -26841,7 +26817,7 @@
         <a:font script="Geor" typeface="Sylfaen"/>
       </a:majorFont>
       <a:minorFont>
-        <a:latin typeface="Calibri" panose="020F0502020204030204"/>
+        <a:latin typeface="Calibri"/>
         <a:ea typeface=""/>
         <a:cs typeface=""/>
         <a:font script="Jpan" typeface="ＭＳ Ｐゴシック"/>
@@ -27018,7 +26994,7 @@
   <a:extraClrSchemeLst/>
   <a:extLst>
     <a:ext uri="{05A4C25C-085E-4340-85A3-A5531E510DB2}">
-      <thm15:themeFamily xmlns:thm15="http://schemas.microsoft.com/office/thememl/2012/main" name="Office Theme" id="{62F939B6-93AF-4DB8-9C6B-D6C7DFDC589F}" vid="{4A3C46E8-61CC-4603-A589-7422A47A8E4A}"/>
+      <thm15:themeFamily xmlns="" xmlns:thm15="http://schemas.microsoft.com/office/thememl/2012/main" name="Office Theme" id="{62F939B6-93AF-4DB8-9C6B-D6C7DFDC589F}" vid="{4A3C46E8-61CC-4603-A589-7422A47A8E4A}"/>
     </a:ext>
   </a:extLst>
 </a:theme>
@@ -27067,7 +27043,7 @@
     </a:clrScheme>
     <a:fontScheme name="Office">
       <a:majorFont>
-        <a:latin typeface="Calibri Light" panose="020F0302020204030204"/>
+        <a:latin typeface="Calibri Light"/>
         <a:ea typeface=""/>
         <a:cs typeface=""/>
         <a:font script="Jpan" typeface="ＭＳ Ｐゴシック"/>
@@ -27102,7 +27078,7 @@
         <a:font script="Geor" typeface="Sylfaen"/>
       </a:majorFont>
       <a:minorFont>
-        <a:latin typeface="Calibri" panose="020F0502020204030204"/>
+        <a:latin typeface="Calibri"/>
         <a:ea typeface=""/>
         <a:cs typeface=""/>
         <a:font script="Jpan" typeface="ＭＳ Ｐゴシック"/>
@@ -27279,7 +27255,7 @@
   <a:extraClrSchemeLst/>
   <a:extLst>
     <a:ext uri="{05A4C25C-085E-4340-85A3-A5531E510DB2}">
-      <thm15:themeFamily xmlns:thm15="http://schemas.microsoft.com/office/thememl/2012/main" name="Office Theme" id="{62F939B6-93AF-4DB8-9C6B-D6C7DFDC589F}" vid="{4A3C46E8-61CC-4603-A589-7422A47A8E4A}"/>
+      <thm15:themeFamily xmlns="" xmlns:thm15="http://schemas.microsoft.com/office/thememl/2012/main" name="Office Theme" id="{62F939B6-93AF-4DB8-9C6B-D6C7DFDC589F}" vid="{4A3C46E8-61CC-4603-A589-7422A47A8E4A}"/>
     </a:ext>
   </a:extLst>
 </a:theme>

--- a/Session I - Basic HTML + HTML5 elements/Session I - Basic HTML + HTML5.pptx
+++ b/Session I - Basic HTML + HTML5 elements/Session I - Basic HTML + HTML5.pptx
@@ -150,7 +150,7 @@
   </p:defaultTextStyle>
   <p:extLst>
     <p:ext uri="{EFAFB233-063F-42B5-8137-9DF3F51BA10A}">
-      <p15:sldGuideLst xmlns="" xmlns:p15="http://schemas.microsoft.com/office/powerpoint/2012/main"/>
+      <p15:sldGuideLst xmlns:p15="http://schemas.microsoft.com/office/powerpoint/2012/main" xmlns=""/>
     </p:ext>
   </p:extLst>
 </p:presentation>
@@ -22565,7 +22565,19 @@
               <a:rPr lang="en-US" dirty="0">
                 <a:latin typeface="Candara" panose="020E0502030303020204" pitchFamily="34" charset="0"/>
               </a:rPr>
-              <a:t>&gt;Hacking HTML&lt;/</a:t>
+              <a:t>&gt;Hacking </a:t>
+            </a:r>
+            <a:r>
+              <a:rPr lang="en-US" dirty="0" smtClean="0">
+                <a:latin typeface="Candara" panose="020E0502030303020204" pitchFamily="34" charset="0"/>
+              </a:rPr>
+              <a:t>HTML5&lt;</a:t>
+            </a:r>
+            <a:r>
+              <a:rPr lang="en-US" dirty="0">
+                <a:latin typeface="Candara" panose="020E0502030303020204" pitchFamily="34" charset="0"/>
+              </a:rPr>
+              <a:t>/</a:t>
             </a:r>
             <a:r>
               <a:rPr lang="en-US" b="1" dirty="0">
@@ -22677,7 +22689,19 @@
               <a:rPr lang="en-US" dirty="0">
                 <a:latin typeface="Candara" panose="020E0502030303020204" pitchFamily="34" charset="0"/>
               </a:rPr>
-              <a:t>Hacking HTML&lt;/</a:t>
+              <a:t>Hacking </a:t>
+            </a:r>
+            <a:r>
+              <a:rPr lang="en-US" dirty="0" smtClean="0">
+                <a:latin typeface="Candara" panose="020E0502030303020204" pitchFamily="34" charset="0"/>
+              </a:rPr>
+              <a:t>HTML5&lt;</a:t>
+            </a:r>
+            <a:r>
+              <a:rPr lang="en-US" dirty="0">
+                <a:latin typeface="Candara" panose="020E0502030303020204" pitchFamily="34" charset="0"/>
+              </a:rPr>
+              <a:t>/</a:t>
             </a:r>
             <a:r>
               <a:rPr lang="en-US" b="1" dirty="0">
@@ -22870,7 +22894,7 @@
         <p:spPr>
           <a:xfrm>
             <a:off x="76200" y="914401"/>
-            <a:ext cx="3124200" cy="5509200"/>
+            <a:ext cx="3124200" cy="5468165"/>
           </a:xfrm>
           <a:prstGeom prst="rect">
             <a:avLst/>
@@ -22963,35 +22987,26 @@
               </a:lnSpc>
             </a:pPr>
             <a:r>
+              <a:rPr lang="en-US" sz="1600" dirty="0" smtClean="0">
+                <a:latin typeface="Candara" panose="020E0502030303020204" pitchFamily="34" charset="0"/>
+              </a:rPr>
+              <a:t>&lt;</a:t>
+            </a:r>
+            <a:r>
+              <a:rPr lang="en-US" sz="1600" b="1" dirty="0">
+                <a:latin typeface="Candara" panose="020E0502030303020204" pitchFamily="34" charset="0"/>
+              </a:rPr>
+              <a:t>meta</a:t>
+            </a:r>
+            <a:r>
               <a:rPr lang="en-US" sz="1600" dirty="0">
                 <a:latin typeface="Candara" panose="020E0502030303020204" pitchFamily="34" charset="0"/>
               </a:rPr>
-              <a:t>&lt;</a:t>
-            </a:r>
-            <a:r>
-              <a:rPr lang="en-US" sz="1600" b="1" dirty="0">
-                <a:latin typeface="Candara" panose="020E0502030303020204" pitchFamily="34" charset="0"/>
-              </a:rPr>
-              <a:t>title</a:t>
-            </a:r>
-            <a:r>
-              <a:rPr lang="en-US" sz="1600" dirty="0">
-                <a:latin typeface="Candara" panose="020E0502030303020204" pitchFamily="34" charset="0"/>
-              </a:rPr>
-              <a:t>&gt;Hacking HTML&lt;/</a:t>
-            </a:r>
-            <a:r>
-              <a:rPr lang="en-US" sz="1600" b="1" dirty="0">
-                <a:latin typeface="Candara" panose="020E0502030303020204" pitchFamily="34" charset="0"/>
-              </a:rPr>
-              <a:t>title</a:t>
-            </a:r>
-            <a:r>
-              <a:rPr lang="en-US" sz="1600" dirty="0">
-                <a:latin typeface="Candara" panose="020E0502030303020204" pitchFamily="34" charset="0"/>
-              </a:rPr>
-              <a:t>&gt; </a:t>
-            </a:r>
+              <a:t> charset="utf-8" /&gt; </a:t>
+            </a:r>
+            <a:endParaRPr lang="en-US" sz="1600" dirty="0" smtClean="0">
+              <a:latin typeface="Candara" panose="020E0502030303020204" pitchFamily="34" charset="0"/>
+            </a:endParaRPr>
           </a:p>
           <a:p>
             <a:pPr>
@@ -23009,14 +23024,29 @@
               <a:rPr lang="en-US" sz="1600" b="1" dirty="0">
                 <a:latin typeface="Candara" panose="020E0502030303020204" pitchFamily="34" charset="0"/>
               </a:rPr>
-              <a:t>meta</a:t>
+              <a:t>title</a:t>
             </a:r>
             <a:r>
               <a:rPr lang="en-US" sz="1600" dirty="0">
                 <a:latin typeface="Candara" panose="020E0502030303020204" pitchFamily="34" charset="0"/>
               </a:rPr>
-              <a:t> charset="utf-8" /&gt; </a:t>
-            </a:r>
+              <a:t>&gt;Hacking HTML5&lt;/</a:t>
+            </a:r>
+            <a:r>
+              <a:rPr lang="en-US" sz="1600" b="1" dirty="0">
+                <a:latin typeface="Candara" panose="020E0502030303020204" pitchFamily="34" charset="0"/>
+              </a:rPr>
+              <a:t>title</a:t>
+            </a:r>
+            <a:r>
+              <a:rPr lang="en-US" sz="1600" dirty="0">
+                <a:latin typeface="Candara" panose="020E0502030303020204" pitchFamily="34" charset="0"/>
+              </a:rPr>
+              <a:t>&gt; </a:t>
+            </a:r>
+            <a:endParaRPr lang="en-US" sz="1600" dirty="0">
+              <a:latin typeface="Candara" panose="020E0502030303020204" pitchFamily="34" charset="0"/>
+            </a:endParaRPr>
           </a:p>
           <a:p>
             <a:pPr>
@@ -23090,7 +23120,19 @@
               <a:rPr lang="en-US" sz="1600" dirty="0">
                 <a:latin typeface="Candara" panose="020E0502030303020204" pitchFamily="34" charset="0"/>
               </a:rPr>
-              <a:t>&gt;Hacking HTML&lt;/</a:t>
+              <a:t>&gt;Hacking </a:t>
+            </a:r>
+            <a:r>
+              <a:rPr lang="en-US" sz="1600" dirty="0" smtClean="0">
+                <a:latin typeface="Candara" panose="020E0502030303020204" pitchFamily="34" charset="0"/>
+              </a:rPr>
+              <a:t>HTML5&lt;</a:t>
+            </a:r>
+            <a:r>
+              <a:rPr lang="en-US" sz="1600" dirty="0">
+                <a:latin typeface="Candara" panose="020E0502030303020204" pitchFamily="34" charset="0"/>
+              </a:rPr>
+              <a:t>/</a:t>
             </a:r>
             <a:r>
               <a:rPr lang="en-US" sz="1600" b="1" dirty="0">
@@ -23308,13 +23350,31 @@
               <a:buChar char="•"/>
             </a:pPr>
             <a:r>
+              <a:rPr lang="en-US" sz="1400" b="1" dirty="0" smtClean="0">
+                <a:solidFill>
+                  <a:srgbClr val="C0504D"/>
+                </a:solidFill>
+                <a:latin typeface="Candara" panose="020E0502030303020204" pitchFamily="34" charset="0"/>
+              </a:rPr>
+              <a:t>&lt;</a:t>
+            </a:r>
+            <a:r>
               <a:rPr lang="en-US" sz="1400" b="1" dirty="0">
                 <a:solidFill>
                   <a:srgbClr val="C0504D"/>
                 </a:solidFill>
                 <a:latin typeface="Candara" panose="020E0502030303020204" pitchFamily="34" charset="0"/>
               </a:rPr>
-              <a:t>&lt;title&gt; </a:t>
+              <a:t>meta&gt;</a:t>
+            </a:r>
+            <a:r>
+              <a:rPr lang="en-US" sz="1400" dirty="0">
+                <a:solidFill>
+                  <a:srgbClr val="C0504D"/>
+                </a:solidFill>
+                <a:latin typeface="Candara" panose="020E0502030303020204" pitchFamily="34" charset="0"/>
+              </a:rPr>
+              <a:t> </a:t>
             </a:r>
             <a:r>
               <a:rPr lang="en-US" sz="1400" dirty="0">
@@ -23326,7 +23386,19 @@
                 </a:solidFill>
                 <a:latin typeface="Candara" panose="020E0502030303020204" pitchFamily="34" charset="0"/>
               </a:rPr>
-              <a:t>tag defines the Page title displayed on the browser tab</a:t>
+              <a:t>tag is an instructional tag which defines metadata – static description like author, etc. ; how the browser should behave when displaying the page. In this example we set character encoding for the page content</a:t>
+            </a:r>
+            <a:r>
+              <a:rPr lang="en-US" sz="1400" dirty="0" smtClean="0">
+                <a:solidFill>
+                  <a:schemeClr val="tx1">
+                    <a:lumMod val="65000"/>
+                    <a:lumOff val="35000"/>
+                  </a:schemeClr>
+                </a:solidFill>
+                <a:latin typeface="Candara" panose="020E0502030303020204" pitchFamily="34" charset="0"/>
+              </a:rPr>
+              <a:t>.</a:t>
             </a:r>
           </a:p>
           <a:p>
@@ -23341,16 +23413,7 @@
                 </a:solidFill>
                 <a:latin typeface="Candara" panose="020E0502030303020204" pitchFamily="34" charset="0"/>
               </a:rPr>
-              <a:t>&lt;meta&gt;</a:t>
-            </a:r>
-            <a:r>
-              <a:rPr lang="en-US" sz="1400" dirty="0">
-                <a:solidFill>
-                  <a:srgbClr val="C0504D"/>
-                </a:solidFill>
-                <a:latin typeface="Candara" panose="020E0502030303020204" pitchFamily="34" charset="0"/>
-              </a:rPr>
-              <a:t> </a:t>
+              <a:t>&lt;title&gt; </a:t>
             </a:r>
             <a:r>
               <a:rPr lang="en-US" sz="1400" dirty="0">
@@ -23362,8 +23425,29 @@
                 </a:solidFill>
                 <a:latin typeface="Candara" panose="020E0502030303020204" pitchFamily="34" charset="0"/>
               </a:rPr>
-              <a:t>tag is an instructional tag which defines metadata – static description like author, etc. ; how the browser should behave when displaying the page. In this example we set character encoding for the page content.</a:t>
-            </a:r>
+              <a:t>tag defines the Page title displayed on the browser </a:t>
+            </a:r>
+            <a:r>
+              <a:rPr lang="en-US" sz="1400" dirty="0" smtClean="0">
+                <a:solidFill>
+                  <a:schemeClr val="tx1">
+                    <a:lumMod val="65000"/>
+                    <a:lumOff val="35000"/>
+                  </a:schemeClr>
+                </a:solidFill>
+                <a:latin typeface="Candara" panose="020E0502030303020204" pitchFamily="34" charset="0"/>
+              </a:rPr>
+              <a:t>tab</a:t>
+            </a:r>
+            <a:endParaRPr lang="en-US" sz="1400" dirty="0">
+              <a:solidFill>
+                <a:schemeClr val="tx1">
+                  <a:lumMod val="65000"/>
+                  <a:lumOff val="35000"/>
+                </a:schemeClr>
+              </a:solidFill>
+              <a:latin typeface="Candara" panose="020E0502030303020204" pitchFamily="34" charset="0"/>
+            </a:endParaRPr>
           </a:p>
         </p:txBody>
       </p:sp>
@@ -25181,7 +25265,7 @@
             <a:avLst/>
           </a:prstGeom>
           <a:solidFill>
-            <a:srgbClr val="00B0F0"/>
+            <a:srgbClr val="4BACC6"/>
           </a:solidFill>
         </p:spPr>
         <p:txBody>
@@ -26994,7 +27078,7 @@
   <a:extraClrSchemeLst/>
   <a:extLst>
     <a:ext uri="{05A4C25C-085E-4340-85A3-A5531E510DB2}">
-      <thm15:themeFamily xmlns="" xmlns:thm15="http://schemas.microsoft.com/office/thememl/2012/main" name="Office Theme" id="{62F939B6-93AF-4DB8-9C6B-D6C7DFDC589F}" vid="{4A3C46E8-61CC-4603-A589-7422A47A8E4A}"/>
+      <thm15:themeFamily xmlns:thm15="http://schemas.microsoft.com/office/thememl/2012/main" xmlns="" name="Office Theme" id="{62F939B6-93AF-4DB8-9C6B-D6C7DFDC589F}" vid="{4A3C46E8-61CC-4603-A589-7422A47A8E4A}"/>
     </a:ext>
   </a:extLst>
 </a:theme>
@@ -27255,7 +27339,7 @@
   <a:extraClrSchemeLst/>
   <a:extLst>
     <a:ext uri="{05A4C25C-085E-4340-85A3-A5531E510DB2}">
-      <thm15:themeFamily xmlns="" xmlns:thm15="http://schemas.microsoft.com/office/thememl/2012/main" name="Office Theme" id="{62F939B6-93AF-4DB8-9C6B-D6C7DFDC589F}" vid="{4A3C46E8-61CC-4603-A589-7422A47A8E4A}"/>
+      <thm15:themeFamily xmlns:thm15="http://schemas.microsoft.com/office/thememl/2012/main" xmlns="" name="Office Theme" id="{62F939B6-93AF-4DB8-9C6B-D6C7DFDC589F}" vid="{4A3C46E8-61CC-4603-A589-7422A47A8E4A}"/>
     </a:ext>
   </a:extLst>
 </a:theme>

--- a/Session I - Basic HTML + HTML5 elements/Session I - Basic HTML + HTML5.pptx
+++ b/Session I - Basic HTML + HTML5 elements/Session I - Basic HTML + HTML5.pptx
@@ -150,7 +150,7 @@
   </p:defaultTextStyle>
   <p:extLst>
     <p:ext uri="{EFAFB233-063F-42B5-8137-9DF3F51BA10A}">
-      <p15:sldGuideLst xmlns:p15="http://schemas.microsoft.com/office/powerpoint/2012/main" xmlns=""/>
+      <p15:sldGuideLst xmlns="" xmlns:p15="http://schemas.microsoft.com/office/powerpoint/2012/main"/>
     </p:ext>
   </p:extLst>
 </p:presentation>
@@ -238,7 +238,7 @@
           <a:p>
             <a:fld id="{D19E0339-0F11-48B6-9C83-68C7817E7FEC}" type="datetimeFigureOut">
               <a:rPr lang="en-US" smtClean="0"/>
-              <a:t>23/6/15</a:t>
+              <a:t>28/6/15</a:t>
             </a:fld>
             <a:endParaRPr lang="en-US"/>
           </a:p>
@@ -721,7 +721,7 @@
           <a:p>
             <a:fld id="{11015283-1BC6-49F1-87A6-E2D285499E26}" type="datetimeFigureOut">
               <a:rPr lang="en-US" smtClean="0"/>
-              <a:t>23/6/15</a:t>
+              <a:t>28/6/15</a:t>
             </a:fld>
             <a:endParaRPr lang="en-US"/>
           </a:p>
@@ -891,7 +891,7 @@
           <a:p>
             <a:fld id="{11015283-1BC6-49F1-87A6-E2D285499E26}" type="datetimeFigureOut">
               <a:rPr lang="en-US" smtClean="0"/>
-              <a:t>23/6/15</a:t>
+              <a:t>28/6/15</a:t>
             </a:fld>
             <a:endParaRPr lang="en-US"/>
           </a:p>
@@ -1071,7 +1071,7 @@
           <a:p>
             <a:fld id="{11015283-1BC6-49F1-87A6-E2D285499E26}" type="datetimeFigureOut">
               <a:rPr lang="en-US" smtClean="0"/>
-              <a:t>23/6/15</a:t>
+              <a:t>28/6/15</a:t>
             </a:fld>
             <a:endParaRPr lang="en-US"/>
           </a:p>
@@ -1241,7 +1241,7 @@
           <a:p>
             <a:fld id="{11015283-1BC6-49F1-87A6-E2D285499E26}" type="datetimeFigureOut">
               <a:rPr lang="en-US" smtClean="0"/>
-              <a:t>23/6/15</a:t>
+              <a:t>28/6/15</a:t>
             </a:fld>
             <a:endParaRPr lang="en-US"/>
           </a:p>
@@ -1487,7 +1487,7 @@
           <a:p>
             <a:fld id="{11015283-1BC6-49F1-87A6-E2D285499E26}" type="datetimeFigureOut">
               <a:rPr lang="en-US" smtClean="0"/>
-              <a:t>23/6/15</a:t>
+              <a:t>28/6/15</a:t>
             </a:fld>
             <a:endParaRPr lang="en-US"/>
           </a:p>
@@ -1719,7 +1719,7 @@
           <a:p>
             <a:fld id="{11015283-1BC6-49F1-87A6-E2D285499E26}" type="datetimeFigureOut">
               <a:rPr lang="en-US" smtClean="0"/>
-              <a:t>23/6/15</a:t>
+              <a:t>28/6/15</a:t>
             </a:fld>
             <a:endParaRPr lang="en-US"/>
           </a:p>
@@ -2086,7 +2086,7 @@
           <a:p>
             <a:fld id="{11015283-1BC6-49F1-87A6-E2D285499E26}" type="datetimeFigureOut">
               <a:rPr lang="en-US" smtClean="0"/>
-              <a:t>23/6/15</a:t>
+              <a:t>28/6/15</a:t>
             </a:fld>
             <a:endParaRPr lang="en-US"/>
           </a:p>
@@ -2204,7 +2204,7 @@
           <a:p>
             <a:fld id="{11015283-1BC6-49F1-87A6-E2D285499E26}" type="datetimeFigureOut">
               <a:rPr lang="en-US" smtClean="0"/>
-              <a:t>23/6/15</a:t>
+              <a:t>28/6/15</a:t>
             </a:fld>
             <a:endParaRPr lang="en-US"/>
           </a:p>
@@ -2299,7 +2299,7 @@
           <a:p>
             <a:fld id="{11015283-1BC6-49F1-87A6-E2D285499E26}" type="datetimeFigureOut">
               <a:rPr lang="en-US" smtClean="0"/>
-              <a:t>23/6/15</a:t>
+              <a:t>28/6/15</a:t>
             </a:fld>
             <a:endParaRPr lang="en-US"/>
           </a:p>
@@ -2576,7 +2576,7 @@
           <a:p>
             <a:fld id="{11015283-1BC6-49F1-87A6-E2D285499E26}" type="datetimeFigureOut">
               <a:rPr lang="en-US" smtClean="0"/>
-              <a:t>23/6/15</a:t>
+              <a:t>28/6/15</a:t>
             </a:fld>
             <a:endParaRPr lang="en-US"/>
           </a:p>
@@ -2829,7 +2829,7 @@
           <a:p>
             <a:fld id="{11015283-1BC6-49F1-87A6-E2D285499E26}" type="datetimeFigureOut">
               <a:rPr lang="en-US" smtClean="0"/>
-              <a:t>23/6/15</a:t>
+              <a:t>28/6/15</a:t>
             </a:fld>
             <a:endParaRPr lang="en-US"/>
           </a:p>
@@ -3042,7 +3042,7 @@
           <a:p>
             <a:fld id="{11015283-1BC6-49F1-87A6-E2D285499E26}" type="datetimeFigureOut">
               <a:rPr lang="en-US" smtClean="0"/>
-              <a:t>23/6/15</a:t>
+              <a:t>28/6/15</a:t>
             </a:fld>
             <a:endParaRPr lang="en-US"/>
           </a:p>
@@ -23044,9 +23044,6 @@
               </a:rPr>
               <a:t>&gt; </a:t>
             </a:r>
-            <a:endParaRPr lang="en-US" sz="1600" dirty="0">
-              <a:latin typeface="Candara" panose="020E0502030303020204" pitchFamily="34" charset="0"/>
-            </a:endParaRPr>
           </a:p>
           <a:p>
             <a:pPr>
@@ -27078,7 +27075,7 @@
   <a:extraClrSchemeLst/>
   <a:extLst>
     <a:ext uri="{05A4C25C-085E-4340-85A3-A5531E510DB2}">
-      <thm15:themeFamily xmlns:thm15="http://schemas.microsoft.com/office/thememl/2012/main" xmlns="" name="Office Theme" id="{62F939B6-93AF-4DB8-9C6B-D6C7DFDC589F}" vid="{4A3C46E8-61CC-4603-A589-7422A47A8E4A}"/>
+      <thm15:themeFamily xmlns="" xmlns:thm15="http://schemas.microsoft.com/office/thememl/2012/main" name="Office Theme" id="{62F939B6-93AF-4DB8-9C6B-D6C7DFDC589F}" vid="{4A3C46E8-61CC-4603-A589-7422A47A8E4A}"/>
     </a:ext>
   </a:extLst>
 </a:theme>
@@ -27339,7 +27336,7 @@
   <a:extraClrSchemeLst/>
   <a:extLst>
     <a:ext uri="{05A4C25C-085E-4340-85A3-A5531E510DB2}">
-      <thm15:themeFamily xmlns:thm15="http://schemas.microsoft.com/office/thememl/2012/main" xmlns="" name="Office Theme" id="{62F939B6-93AF-4DB8-9C6B-D6C7DFDC589F}" vid="{4A3C46E8-61CC-4603-A589-7422A47A8E4A}"/>
+      <thm15:themeFamily xmlns="" xmlns:thm15="http://schemas.microsoft.com/office/thememl/2012/main" name="Office Theme" id="{62F939B6-93AF-4DB8-9C6B-D6C7DFDC589F}" vid="{4A3C46E8-61CC-4603-A589-7422A47A8E4A}"/>
     </a:ext>
   </a:extLst>
 </a:theme>
